--- a/Lecture6_IV/Lecture6_IVEstimation_2022F.pptx
+++ b/Lecture6_IV/Lecture6_IVEstimation_2022F.pptx
@@ -53,7 +53,7 @@
     <p:sldId id="501" r:id="rId44"/>
     <p:sldId id="502" r:id="rId45"/>
     <p:sldId id="498" r:id="rId46"/>
-    <p:sldId id="499" r:id="rId47"/>
+    <p:sldId id="513" r:id="rId47"/>
     <p:sldId id="489" r:id="rId48"/>
     <p:sldId id="507" r:id="rId49"/>
     <p:sldId id="510" r:id="rId50"/>
@@ -179,6 +179,7 @@
 <file path=ppt/revisionInfo.xml><?xml version="1.0" encoding="utf-8"?>
 <p1510:revInfo xmlns:a="http://schemas.openxmlformats.org/drawingml/2006/main" xmlns:r="http://schemas.openxmlformats.org/officeDocument/2006/relationships" xmlns:p1510="http://schemas.microsoft.com/office/powerpoint/2015/10/main">
   <p1510:revLst>
+    <p1510:client id="{17FB6033-A775-454D-A761-62B23E02AF10}" v="152" dt="2022-07-15T12:27:21.373"/>
     <p1510:client id="{CC628153-EE7E-4BCD-AEC7-99145EF0CFC8}" v="2464" dt="2022-07-14T17:53:39.142"/>
   </p1510:revLst>
 </p1510:revInfo>
@@ -266,7 +267,7 @@
           <a:p>
             <a:fld id="{EF911157-0FC2-4F06-8D61-FD647FE4E19D}" type="datetimeFigureOut">
               <a:rPr lang="en-US" smtClean="0"/>
-              <a:t>7/14/2022</a:t>
+              <a:t>7/15/2022</a:t>
             </a:fld>
             <a:endParaRPr lang="en-US"/>
           </a:p>
@@ -2132,7 +2133,7 @@
           <a:p>
             <a:fld id="{4AF79E1B-2C51-4B9B-8EA4-26DE9E345AFF}" type="slidenum">
               <a:rPr lang="en-US" smtClean="0"/>
-              <a:t>31</a:t>
+              <a:t>40</a:t>
             </a:fld>
             <a:endParaRPr lang="en-US"/>
           </a:p>
@@ -2307,7 +2308,7 @@
           <a:p>
             <a:fld id="{4AF79E1B-2C51-4B9B-8EA4-26DE9E345AFF}" type="slidenum">
               <a:rPr lang="en-US" smtClean="0"/>
-              <a:t>38</a:t>
+              <a:t>42</a:t>
             </a:fld>
             <a:endParaRPr lang="en-US"/>
           </a:p>
@@ -2391,7 +2392,7 @@
           <a:p>
             <a:fld id="{4AF79E1B-2C51-4B9B-8EA4-26DE9E345AFF}" type="slidenum">
               <a:rPr lang="en-US" smtClean="0"/>
-              <a:t>39</a:t>
+              <a:t>43</a:t>
             </a:fld>
             <a:endParaRPr lang="en-US"/>
           </a:p>
@@ -2496,7 +2497,7 @@
           <a:p>
             <a:fld id="{4AF79E1B-2C51-4B9B-8EA4-26DE9E345AFF}" type="slidenum">
               <a:rPr lang="en-US" smtClean="0"/>
-              <a:t>40</a:t>
+              <a:t>44</a:t>
             </a:fld>
             <a:endParaRPr lang="en-US"/>
           </a:p>
@@ -2669,7 +2670,7 @@
           <a:p>
             <a:fld id="{4AF79E1B-2C51-4B9B-8EA4-26DE9E345AFF}" type="slidenum">
               <a:rPr lang="en-US" smtClean="0"/>
-              <a:t>38</a:t>
+              <a:t>45</a:t>
             </a:fld>
             <a:endParaRPr lang="en-US"/>
           </a:p>
@@ -2753,7 +2754,7 @@
           <a:p>
             <a:fld id="{4AF79E1B-2C51-4B9B-8EA4-26DE9E345AFF}" type="slidenum">
               <a:rPr lang="en-US" smtClean="0"/>
-              <a:t>39</a:t>
+              <a:t>46</a:t>
             </a:fld>
             <a:endParaRPr lang="en-US"/>
           </a:p>
@@ -2762,7 +2763,7 @@
     </p:spTree>
     <p:extLst>
       <p:ext uri="{BB962C8B-B14F-4D97-AF65-F5344CB8AC3E}">
-        <p14:creationId xmlns:p14="http://schemas.microsoft.com/office/powerpoint/2010/main" val="958710498"/>
+        <p14:creationId xmlns:p14="http://schemas.microsoft.com/office/powerpoint/2010/main" val="1784930793"/>
       </p:ext>
     </p:extLst>
   </p:cSld>
@@ -2843,7 +2844,7 @@
           <a:p>
             <a:fld id="{3298C5B2-5D6B-2949-9D6C-64FEDA8AB56A}" type="slidenum">
               <a:rPr lang="en-US" smtClean="0"/>
-              <a:t>40</a:t>
+              <a:t>47</a:t>
             </a:fld>
             <a:endParaRPr lang="en-US"/>
           </a:p>
@@ -3945,7 +3946,7 @@
             <a:fld id="{0972D05C-DCFB-4BB6-B49C-AC126BF3ED2C}" type="datetimeFigureOut">
               <a:rPr lang="en-US" smtClean="0"/>
               <a:pPr/>
-              <a:t>7/14/2022</a:t>
+              <a:t>7/15/2022</a:t>
             </a:fld>
             <a:endParaRPr lang="en-US"/>
           </a:p>
@@ -4175,7 +4176,7 @@
             <a:fld id="{0972D05C-DCFB-4BB6-B49C-AC126BF3ED2C}" type="datetimeFigureOut">
               <a:rPr lang="en-US" smtClean="0"/>
               <a:pPr/>
-              <a:t>7/14/2022</a:t>
+              <a:t>7/15/2022</a:t>
             </a:fld>
             <a:endParaRPr lang="en-US"/>
           </a:p>
@@ -4357,7 +4358,7 @@
             <a:fld id="{0972D05C-DCFB-4BB6-B49C-AC126BF3ED2C}" type="datetimeFigureOut">
               <a:rPr lang="en-US" smtClean="0"/>
               <a:pPr/>
-              <a:t>7/14/2022</a:t>
+              <a:t>7/15/2022</a:t>
             </a:fld>
             <a:endParaRPr lang="en-US"/>
           </a:p>
@@ -4529,7 +4530,7 @@
             <a:fld id="{0972D05C-DCFB-4BB6-B49C-AC126BF3ED2C}" type="datetimeFigureOut">
               <a:rPr lang="en-US" smtClean="0"/>
               <a:pPr/>
-              <a:t>7/14/2022</a:t>
+              <a:t>7/15/2022</a:t>
             </a:fld>
             <a:endParaRPr lang="en-US"/>
           </a:p>
@@ -4785,7 +4786,7 @@
             <a:fld id="{0972D05C-DCFB-4BB6-B49C-AC126BF3ED2C}" type="datetimeFigureOut">
               <a:rPr lang="en-US" smtClean="0"/>
               <a:pPr/>
-              <a:t>7/14/2022</a:t>
+              <a:t>7/15/2022</a:t>
             </a:fld>
             <a:endParaRPr lang="en-US"/>
           </a:p>
@@ -5113,7 +5114,7 @@
             <a:fld id="{0972D05C-DCFB-4BB6-B49C-AC126BF3ED2C}" type="datetimeFigureOut">
               <a:rPr lang="en-US" smtClean="0"/>
               <a:pPr/>
-              <a:t>7/14/2022</a:t>
+              <a:t>7/15/2022</a:t>
             </a:fld>
             <a:endParaRPr lang="en-US"/>
           </a:p>
@@ -5566,7 +5567,7 @@
             <a:fld id="{0972D05C-DCFB-4BB6-B49C-AC126BF3ED2C}" type="datetimeFigureOut">
               <a:rPr lang="en-US" smtClean="0"/>
               <a:pPr/>
-              <a:t>7/14/2022</a:t>
+              <a:t>7/15/2022</a:t>
             </a:fld>
             <a:endParaRPr lang="en-US"/>
           </a:p>
@@ -5686,7 +5687,7 @@
             <a:fld id="{0972D05C-DCFB-4BB6-B49C-AC126BF3ED2C}" type="datetimeFigureOut">
               <a:rPr lang="en-US" smtClean="0"/>
               <a:pPr/>
-              <a:t>7/14/2022</a:t>
+              <a:t>7/15/2022</a:t>
             </a:fld>
             <a:endParaRPr lang="en-US"/>
           </a:p>
@@ -5783,7 +5784,7 @@
             <a:fld id="{0972D05C-DCFB-4BB6-B49C-AC126BF3ED2C}" type="datetimeFigureOut">
               <a:rPr lang="en-US" smtClean="0"/>
               <a:pPr/>
-              <a:t>7/14/2022</a:t>
+              <a:t>7/15/2022</a:t>
             </a:fld>
             <a:endParaRPr lang="en-US"/>
           </a:p>
@@ -6072,7 +6073,7 @@
             <a:fld id="{0972D05C-DCFB-4BB6-B49C-AC126BF3ED2C}" type="datetimeFigureOut">
               <a:rPr lang="en-US" smtClean="0"/>
               <a:pPr/>
-              <a:t>7/14/2022</a:t>
+              <a:t>7/15/2022</a:t>
             </a:fld>
             <a:endParaRPr lang="en-US"/>
           </a:p>
@@ -6396,7 +6397,7 @@
             <a:fld id="{0972D05C-DCFB-4BB6-B49C-AC126BF3ED2C}" type="datetimeFigureOut">
               <a:rPr lang="en-US" smtClean="0"/>
               <a:pPr/>
-              <a:t>7/14/2022</a:t>
+              <a:t>7/15/2022</a:t>
             </a:fld>
             <a:endParaRPr lang="en-US"/>
           </a:p>
@@ -6651,7 +6652,7 @@
             <a:fld id="{0972D05C-DCFB-4BB6-B49C-AC126BF3ED2C}" type="datetimeFigureOut">
               <a:rPr lang="en-US" smtClean="0"/>
               <a:pPr/>
-              <a:t>7/14/2022</a:t>
+              <a:t>7/15/2022</a:t>
             </a:fld>
             <a:endParaRPr lang="en-US" dirty="0"/>
           </a:p>
@@ -7477,15 +7478,6 @@
               <a:t>Earning vs. years of schooling</a:t>
             </a:r>
           </a:p>
-          <a:p>
-            <a:pPr lvl="1"/>
-            <a:r>
-              <a:rPr lang="en-US" sz="2400" dirty="0">
-                <a:cs typeface="Times New Roman" panose="02020603050405020304" pitchFamily="18" charset="0"/>
-              </a:rPr>
-              <a:t>Doing yoga vs. becoming vegan</a:t>
-            </a:r>
-          </a:p>
         </p:txBody>
       </p:sp>
     </p:spTree>
@@ -14106,133 +14098,261 @@
           </a:p>
         </p:txBody>
       </p:sp>
-      <p:sp>
-        <p:nvSpPr>
-          <p:cNvPr id="3" name="Content Placeholder 2"/>
-          <p:cNvSpPr>
-            <a:spLocks noGrp="1"/>
-          </p:cNvSpPr>
-          <p:nvPr>
-            <p:ph idx="1"/>
-          </p:nvPr>
-        </p:nvSpPr>
-        <p:spPr>
-          <a:xfrm>
-            <a:off x="914400" y="3077029"/>
-            <a:ext cx="9984829" cy="3312588"/>
-          </a:xfrm>
-        </p:spPr>
-        <p:txBody>
-          <a:bodyPr vert="horz" lIns="91440" tIns="45720" rIns="91440" bIns="45720" rtlCol="0" anchor="t">
-            <a:noAutofit/>
-          </a:bodyPr>
-          <a:lstStyle/>
-          <a:p>
-            <a:endParaRPr lang="en-US" sz="2400" dirty="0">
-              <a:cs typeface="Times New Roman" panose="02020603050405020304" pitchFamily="18" charset="0"/>
-            </a:endParaRPr>
-          </a:p>
-          <a:p>
-            <a:endParaRPr lang="en-US" sz="2400" dirty="0">
-              <a:cs typeface="Times New Roman" panose="02020603050405020304" pitchFamily="18" charset="0"/>
-            </a:endParaRPr>
-          </a:p>
-          <a:p>
-            <a:pPr marL="0" indent="0">
-              <a:buNone/>
-            </a:pPr>
-            <a:r>
-              <a:rPr lang="en-US" sz="2400" dirty="0">
-                <a:latin typeface="Times New Roman"/>
-                <a:cs typeface="Times New Roman"/>
-              </a:rPr>
-              <a:t>What paths need to be closed for Z to be an acceptable IV for X?</a:t>
-            </a:r>
-            <a:endParaRPr lang="en-US" dirty="0"/>
-          </a:p>
-          <a:p>
-            <a:pPr marL="457200" indent="-457200">
-              <a:buAutoNum type="arabicPeriod"/>
-            </a:pPr>
-            <a:r>
-              <a:rPr lang="en-US" sz="2400" dirty="0">
-                <a:latin typeface="Times New Roman"/>
-                <a:cs typeface="Times New Roman"/>
-              </a:rPr>
-              <a:t>All paths from Z to Y through X are okay</a:t>
-            </a:r>
-            <a:endParaRPr lang="en-US" sz="2400" dirty="0">
-              <a:solidFill>
-                <a:schemeClr val="tx1"/>
-              </a:solidFill>
-              <a:cs typeface="Times New Roman" panose="02020603050405020304" pitchFamily="18" charset="0"/>
-            </a:endParaRPr>
-          </a:p>
-          <a:p>
-            <a:pPr marL="457200" indent="-457200">
-              <a:buAutoNum type="arabicPeriod"/>
-            </a:pPr>
-            <a:r>
-              <a:rPr lang="en-US" sz="2400" dirty="0">
-                <a:latin typeface="Times New Roman"/>
-                <a:cs typeface="Times New Roman"/>
-              </a:rPr>
-              <a:t>The </a:t>
-            </a:r>
-            <a:r>
-              <a:rPr lang="en-US" sz="2400" dirty="0" err="1">
-                <a:latin typeface="Times New Roman"/>
-                <a:cs typeface="Times New Roman"/>
-              </a:rPr>
-              <a:t>endogenity</a:t>
-            </a:r>
-            <a:r>
-              <a:rPr lang="en-US" sz="2400" dirty="0">
-                <a:latin typeface="Times New Roman"/>
-                <a:cs typeface="Times New Roman"/>
-              </a:rPr>
-              <a:t> (D) doesn't matter </a:t>
-            </a:r>
-            <a:r>
-              <a:rPr lang="en-US" sz="2400" dirty="0" err="1">
-                <a:latin typeface="Times New Roman"/>
-                <a:cs typeface="Times New Roman"/>
-              </a:rPr>
-              <a:t>any more</a:t>
-            </a:r>
-            <a:r>
-              <a:rPr lang="en-US" sz="2400" dirty="0">
-                <a:latin typeface="Times New Roman"/>
-                <a:cs typeface="Times New Roman"/>
-              </a:rPr>
-              <a:t> either!</a:t>
-            </a:r>
-            <a:endParaRPr lang="en-US" sz="2400" dirty="0">
-              <a:cs typeface="Times New Roman" panose="02020603050405020304" pitchFamily="18" charset="0"/>
-            </a:endParaRPr>
-          </a:p>
-          <a:p>
-            <a:pPr marL="457200" indent="-457200">
-              <a:buAutoNum type="arabicPeriod"/>
-            </a:pPr>
-            <a:r>
-              <a:rPr lang="en-US" sz="2400" dirty="0">
-                <a:latin typeface="Times New Roman"/>
-                <a:cs typeface="Times New Roman"/>
-              </a:rPr>
-              <a:t>But there are two paths that are a problem. Which?</a:t>
-            </a:r>
-            <a:endParaRPr lang="en-US" sz="2400" dirty="0">
-              <a:cs typeface="Times New Roman" panose="02020603050405020304" pitchFamily="18" charset="0"/>
-            </a:endParaRPr>
-          </a:p>
-          <a:p>
-            <a:endParaRPr lang="en-US" sz="2400" dirty="0">
-              <a:cs typeface="Times New Roman" panose="02020603050405020304" pitchFamily="18" charset="0"/>
-            </a:endParaRPr>
-          </a:p>
-        </p:txBody>
-      </p:sp>
+      <mc:AlternateContent xmlns:mc="http://schemas.openxmlformats.org/markup-compatibility/2006" xmlns:a14="http://schemas.microsoft.com/office/drawing/2010/main">
+        <mc:Choice Requires="a14">
+          <p:sp>
+            <p:nvSpPr>
+              <p:cNvPr id="3" name="Content Placeholder 2"/>
+              <p:cNvSpPr>
+                <a:spLocks noGrp="1"/>
+              </p:cNvSpPr>
+              <p:nvPr>
+                <p:ph idx="1"/>
+              </p:nvPr>
+            </p:nvSpPr>
+            <p:spPr>
+              <a:xfrm>
+                <a:off x="914400" y="3077029"/>
+                <a:ext cx="9984829" cy="3312588"/>
+              </a:xfrm>
+            </p:spPr>
+            <p:txBody>
+              <a:bodyPr vert="horz" lIns="91440" tIns="45720" rIns="91440" bIns="45720" rtlCol="0" anchor="t">
+                <a:noAutofit/>
+              </a:bodyPr>
+              <a:lstStyle/>
+              <a:p>
+                <a:endParaRPr lang="en-US" sz="2400" dirty="0">
+                  <a:cs typeface="Times New Roman" panose="02020603050405020304" pitchFamily="18" charset="0"/>
+                </a:endParaRPr>
+              </a:p>
+              <a:p>
+                <a:endParaRPr lang="en-US" sz="2400" dirty="0">
+                  <a:cs typeface="Times New Roman" panose="02020603050405020304" pitchFamily="18" charset="0"/>
+                </a:endParaRPr>
+              </a:p>
+              <a:p>
+                <a:pPr marL="0" indent="0">
+                  <a:buNone/>
+                </a:pPr>
+                <a:r>
+                  <a:rPr lang="en-US" sz="2400" dirty="0">
+                    <a:latin typeface="Times New Roman"/>
+                    <a:cs typeface="Times New Roman"/>
+                  </a:rPr>
+                  <a:t>What paths need to be closed for </a:t>
+                </a:r>
+                <a14:m>
+                  <m:oMath xmlns:m="http://schemas.openxmlformats.org/officeDocument/2006/math">
+                    <m:r>
+                      <a:rPr lang="en-US" sz="2400" b="0" i="1" smtClean="0">
+                        <a:latin typeface="Cambria Math" panose="02040503050406030204" pitchFamily="18" charset="0"/>
+                        <a:cs typeface="Times New Roman"/>
+                      </a:rPr>
+                      <m:t>𝑍</m:t>
+                    </m:r>
+                    <m:r>
+                      <a:rPr lang="en-US" sz="2400" b="0" i="1" smtClean="0">
+                        <a:latin typeface="Cambria Math" panose="02040503050406030204" pitchFamily="18" charset="0"/>
+                        <a:cs typeface="Times New Roman"/>
+                      </a:rPr>
+                      <m:t> </m:t>
+                    </m:r>
+                  </m:oMath>
+                </a14:m>
+                <a:r>
+                  <a:rPr lang="en-US" sz="2400" dirty="0">
+                    <a:latin typeface="Times New Roman"/>
+                    <a:cs typeface="Times New Roman"/>
+                  </a:rPr>
+                  <a:t>to be an acceptable IV for </a:t>
+                </a:r>
+                <a14:m>
+                  <m:oMath xmlns:m="http://schemas.openxmlformats.org/officeDocument/2006/math">
+                    <m:r>
+                      <a:rPr lang="en-US" sz="2400" b="0" i="1" smtClean="0">
+                        <a:latin typeface="Cambria Math" panose="02040503050406030204" pitchFamily="18" charset="0"/>
+                        <a:cs typeface="Times New Roman"/>
+                      </a:rPr>
+                      <m:t>𝑋</m:t>
+                    </m:r>
+                  </m:oMath>
+                </a14:m>
+                <a:r>
+                  <a:rPr lang="en-US" sz="2400" dirty="0">
+                    <a:latin typeface="Times New Roman"/>
+                    <a:cs typeface="Times New Roman"/>
+                  </a:rPr>
+                  <a:t>?</a:t>
+                </a:r>
+                <a:endParaRPr lang="en-US" dirty="0"/>
+              </a:p>
+              <a:p>
+                <a:pPr marL="457200" indent="-457200">
+                  <a:buAutoNum type="arabicPeriod"/>
+                </a:pPr>
+                <a:r>
+                  <a:rPr lang="en-US" sz="2400" dirty="0">
+                    <a:latin typeface="Times New Roman"/>
+                    <a:cs typeface="Times New Roman"/>
+                  </a:rPr>
+                  <a:t>All paths from </a:t>
+                </a:r>
+                <a14:m>
+                  <m:oMath xmlns:m="http://schemas.openxmlformats.org/officeDocument/2006/math">
+                    <m:r>
+                      <a:rPr lang="en-US" sz="2400" b="0" i="1" smtClean="0">
+                        <a:latin typeface="Cambria Math" panose="02040503050406030204" pitchFamily="18" charset="0"/>
+                        <a:cs typeface="Times New Roman"/>
+                      </a:rPr>
+                      <m:t>𝑍</m:t>
+                    </m:r>
+                  </m:oMath>
+                </a14:m>
+                <a:r>
+                  <a:rPr lang="en-US" sz="2400" dirty="0">
+                    <a:latin typeface="Times New Roman"/>
+                    <a:cs typeface="Times New Roman"/>
+                  </a:rPr>
+                  <a:t> to </a:t>
+                </a:r>
+                <a14:m>
+                  <m:oMath xmlns:m="http://schemas.openxmlformats.org/officeDocument/2006/math">
+                    <m:r>
+                      <a:rPr lang="en-US" sz="2400" b="0" i="1" smtClean="0">
+                        <a:latin typeface="Cambria Math" panose="02040503050406030204" pitchFamily="18" charset="0"/>
+                        <a:cs typeface="Times New Roman"/>
+                      </a:rPr>
+                      <m:t>𝑌</m:t>
+                    </m:r>
+                  </m:oMath>
+                </a14:m>
+                <a:r>
+                  <a:rPr lang="en-US" sz="2400" dirty="0">
+                    <a:latin typeface="Times New Roman"/>
+                    <a:cs typeface="Times New Roman"/>
+                  </a:rPr>
+                  <a:t> through </a:t>
+                </a:r>
+                <a14:m>
+                  <m:oMath xmlns:m="http://schemas.openxmlformats.org/officeDocument/2006/math">
+                    <m:r>
+                      <a:rPr lang="en-US" sz="2400" b="0" i="1" smtClean="0">
+                        <a:latin typeface="Cambria Math" panose="02040503050406030204" pitchFamily="18" charset="0"/>
+                        <a:cs typeface="Times New Roman"/>
+                      </a:rPr>
+                      <m:t>𝑋</m:t>
+                    </m:r>
+                  </m:oMath>
+                </a14:m>
+                <a:r>
+                  <a:rPr lang="en-US" sz="2400" dirty="0">
+                    <a:latin typeface="Times New Roman"/>
+                    <a:cs typeface="Times New Roman"/>
+                  </a:rPr>
+                  <a:t> are okay</a:t>
+                </a:r>
+                <a:endParaRPr lang="en-US" sz="2400" dirty="0">
+                  <a:solidFill>
+                    <a:schemeClr val="tx1"/>
+                  </a:solidFill>
+                  <a:cs typeface="Times New Roman" panose="02020603050405020304" pitchFamily="18" charset="0"/>
+                </a:endParaRPr>
+              </a:p>
+              <a:p>
+                <a:pPr marL="457200" indent="-457200">
+                  <a:buAutoNum type="arabicPeriod"/>
+                </a:pPr>
+                <a:r>
+                  <a:rPr lang="en-US" sz="2400" dirty="0">
+                    <a:latin typeface="Times New Roman"/>
+                    <a:cs typeface="Times New Roman"/>
+                  </a:rPr>
+                  <a:t>The endogeneity (</a:t>
+                </a:r>
+                <a14:m>
+                  <m:oMath xmlns:m="http://schemas.openxmlformats.org/officeDocument/2006/math">
+                    <m:r>
+                      <a:rPr lang="en-US" sz="2400" b="0" i="1" smtClean="0">
+                        <a:latin typeface="Cambria Math" panose="02040503050406030204" pitchFamily="18" charset="0"/>
+                        <a:cs typeface="Times New Roman"/>
+                      </a:rPr>
+                      <m:t>𝐷</m:t>
+                    </m:r>
+                  </m:oMath>
+                </a14:m>
+                <a:r>
+                  <a:rPr lang="en-US" sz="2400" dirty="0">
+                    <a:latin typeface="Times New Roman"/>
+                    <a:cs typeface="Times New Roman"/>
+                  </a:rPr>
+                  <a:t>) doesn't matter any more either!</a:t>
+                </a:r>
+                <a:endParaRPr lang="en-US" sz="2400" dirty="0">
+                  <a:cs typeface="Times New Roman" panose="02020603050405020304" pitchFamily="18" charset="0"/>
+                </a:endParaRPr>
+              </a:p>
+              <a:p>
+                <a:pPr marL="457200" indent="-457200">
+                  <a:buAutoNum type="arabicPeriod"/>
+                </a:pPr>
+                <a:r>
+                  <a:rPr lang="en-US" sz="2400" dirty="0">
+                    <a:latin typeface="Times New Roman"/>
+                    <a:cs typeface="Times New Roman"/>
+                  </a:rPr>
+                  <a:t>But there are two paths that are a problem. Which?</a:t>
+                </a:r>
+                <a:endParaRPr lang="en-US" sz="2400" dirty="0">
+                  <a:cs typeface="Times New Roman" panose="02020603050405020304" pitchFamily="18" charset="0"/>
+                </a:endParaRPr>
+              </a:p>
+              <a:p>
+                <a:endParaRPr lang="en-US" sz="2400" dirty="0">
+                  <a:cs typeface="Times New Roman" panose="02020603050405020304" pitchFamily="18" charset="0"/>
+                </a:endParaRPr>
+              </a:p>
+            </p:txBody>
+          </p:sp>
+        </mc:Choice>
+        <mc:Fallback xmlns="">
+          <p:sp>
+            <p:nvSpPr>
+              <p:cNvPr id="3" name="Content Placeholder 2"/>
+              <p:cNvSpPr>
+                <a:spLocks noGrp="1" noRot="1" noChangeAspect="1" noMove="1" noResize="1" noEditPoints="1" noAdjustHandles="1" noChangeArrowheads="1" noChangeShapeType="1" noTextEdit="1"/>
+              </p:cNvSpPr>
+              <p:nvPr>
+                <p:ph idx="1"/>
+              </p:nvPr>
+            </p:nvSpPr>
+            <p:spPr>
+              <a:xfrm>
+                <a:off x="914400" y="3077029"/>
+                <a:ext cx="9984829" cy="3312588"/>
+              </a:xfrm>
+              <a:blipFill>
+                <a:blip r:embed="rId3"/>
+                <a:stretch>
+                  <a:fillRect l="-916" b="-737"/>
+                </a:stretch>
+              </a:blipFill>
+            </p:spPr>
+            <p:txBody>
+              <a:bodyPr/>
+              <a:lstStyle/>
+              <a:p>
+                <a:r>
+                  <a:rPr lang="en-US">
+                    <a:noFill/>
+                  </a:rPr>
+                  <a:t> </a:t>
+                </a:r>
+              </a:p>
+            </p:txBody>
+          </p:sp>
+        </mc:Fallback>
+      </mc:AlternateContent>
       <p:pic>
         <p:nvPicPr>
           <p:cNvPr id="4" name="Picture 4">
@@ -14248,7 +14368,7 @@
           <p:nvPr/>
         </p:nvPicPr>
         <p:blipFill>
-          <a:blip r:embed="rId3"/>
+          <a:blip r:embed="rId4"/>
           <a:stretch>
             <a:fillRect/>
           </a:stretch>
@@ -14945,247 +15065,350 @@
           </a:p>
         </p:txBody>
       </p:sp>
-      <p:sp>
-        <p:nvSpPr>
-          <p:cNvPr id="3" name="Content Placeholder 2"/>
-          <p:cNvSpPr>
-            <a:spLocks noGrp="1"/>
-          </p:cNvSpPr>
-          <p:nvPr>
-            <p:ph idx="1"/>
-          </p:nvPr>
-        </p:nvSpPr>
-        <p:spPr>
-          <a:xfrm>
-            <a:off x="914400" y="1066801"/>
-            <a:ext cx="9984829" cy="5141388"/>
-          </a:xfrm>
-        </p:spPr>
-        <p:txBody>
-          <a:bodyPr vert="horz" lIns="91440" tIns="45720" rIns="91440" bIns="45720" rtlCol="0" anchor="t">
-            <a:normAutofit/>
-          </a:bodyPr>
-          <a:lstStyle/>
-          <a:p>
-            <a:pPr marL="457200" indent="-457200">
-              <a:buAutoNum type="arabicPeriod"/>
-            </a:pPr>
-            <a:r>
-              <a:rPr lang="en-US" sz="2400" dirty="0">
-                <a:latin typeface="Times New Roman"/>
-                <a:cs typeface="Times New Roman"/>
-              </a:rPr>
-              <a:t>Report relevance: </a:t>
-            </a:r>
-            <a:endParaRPr lang="en-US" dirty="0">
-              <a:cs typeface="Times New Roman" panose="02020603050405020304" pitchFamily="18" charset="0"/>
-            </a:endParaRPr>
-          </a:p>
-          <a:p>
-            <a:pPr lvl="1"/>
-            <a:r>
-              <a:rPr lang="en-US" sz="2200" spc="10" dirty="0">
-                <a:solidFill>
-                  <a:srgbClr val="000000"/>
-                </a:solidFill>
-                <a:latin typeface="Times New Roman"/>
-                <a:cs typeface="Times New Roman"/>
-              </a:rPr>
-              <a:t>Used to be F &gt; 10, </a:t>
-            </a:r>
-            <a:r>
-              <a:rPr lang="en-US" sz="2200" spc="10" dirty="0">
-                <a:solidFill>
-                  <a:srgbClr val="000000"/>
-                </a:solidFill>
-                <a:latin typeface="Times New Roman"/>
-                <a:cs typeface="Times New Roman"/>
-                <a:hlinkClick r:id="rId3"/>
-              </a:rPr>
-              <a:t>now is F &gt; 104.7</a:t>
-            </a:r>
-            <a:endParaRPr lang="en-US" sz="2200" spc="10" dirty="0">
-              <a:solidFill>
-                <a:srgbClr val="000000"/>
-              </a:solidFill>
-              <a:latin typeface="Times New Roman"/>
-              <a:cs typeface="Times New Roman"/>
-            </a:endParaRPr>
-          </a:p>
-          <a:p>
-            <a:pPr marL="457200" indent="-457200">
-              <a:buAutoNum type="arabicPeriod"/>
-            </a:pPr>
-            <a:r>
-              <a:rPr lang="en-US" sz="2400" dirty="0">
-                <a:latin typeface="Times New Roman"/>
-                <a:cs typeface="Times New Roman"/>
-              </a:rPr>
-              <a:t>Correct for weak instrument problems</a:t>
-            </a:r>
-          </a:p>
-          <a:p>
-            <a:pPr marL="457200" lvl="1">
-              <a:buFont typeface="Wingdings 2" pitchFamily="34" charset="0"/>
-              <a:buChar char=""/>
-            </a:pPr>
-            <a:r>
-              <a:rPr lang="en-US" sz="2400" dirty="0">
-                <a:latin typeface="Times New Roman"/>
-                <a:cs typeface="Times New Roman"/>
-              </a:rPr>
-              <a:t>There are </a:t>
-            </a:r>
-            <a:r>
-              <a:rPr lang="en-US" sz="2400" dirty="0">
-                <a:latin typeface="Times New Roman"/>
-                <a:cs typeface="Times New Roman"/>
-                <a:hlinkClick r:id="rId4"/>
-              </a:rPr>
-              <a:t>bias correction tests and methods</a:t>
-            </a:r>
-            <a:r>
-              <a:rPr lang="en-US" sz="2400" dirty="0">
-                <a:latin typeface="Times New Roman"/>
-                <a:cs typeface="Times New Roman"/>
-              </a:rPr>
-              <a:t> </a:t>
-            </a:r>
-          </a:p>
-          <a:p>
-            <a:pPr marL="457200" lvl="1">
-              <a:buFont typeface="Wingdings 2" pitchFamily="34" charset="0"/>
-              <a:buChar char=""/>
-            </a:pPr>
-            <a:r>
-              <a:rPr lang="en-US" sz="2400" dirty="0">
-                <a:latin typeface="Times New Roman"/>
-                <a:cs typeface="Times New Roman"/>
-              </a:rPr>
-              <a:t>These corrections aren't universally accepted</a:t>
-            </a:r>
-          </a:p>
-          <a:p>
-            <a:pPr marL="457200" lvl="1">
-              <a:buFont typeface="Wingdings 2" pitchFamily="34" charset="0"/>
-              <a:buChar char=""/>
-            </a:pPr>
-            <a:r>
-              <a:rPr lang="en-US" sz="2400" dirty="0">
-                <a:cs typeface="Times New Roman" panose="02020603050405020304" pitchFamily="18" charset="0"/>
-              </a:rPr>
-              <a:t>Generally, they blow up your standard errors too much to be useful anyway</a:t>
-            </a:r>
-            <a:endParaRPr lang="en-US" dirty="0"/>
-          </a:p>
-          <a:p>
-            <a:pPr marL="457200" indent="-457200">
-              <a:buAutoNum type="arabicPeriod"/>
-            </a:pPr>
-            <a:r>
-              <a:rPr lang="en-US" sz="2400" b="1" dirty="0">
-                <a:solidFill>
-                  <a:schemeClr val="accent2">
-                    <a:lumMod val="75000"/>
-                  </a:schemeClr>
-                </a:solidFill>
-                <a:latin typeface="Times New Roman"/>
-                <a:cs typeface="Times New Roman"/>
-              </a:rPr>
-              <a:t>Defend validity</a:t>
-            </a:r>
-            <a:endParaRPr lang="en-US" sz="2400" b="1" dirty="0">
-              <a:solidFill>
-                <a:schemeClr val="accent2">
-                  <a:lumMod val="75000"/>
-                </a:schemeClr>
-              </a:solidFill>
-              <a:cs typeface="Times New Roman" panose="02020603050405020304" pitchFamily="18" charset="0"/>
-            </a:endParaRPr>
-          </a:p>
-          <a:p>
-            <a:pPr lvl="1"/>
-            <a:r>
-              <a:rPr lang="en-US" sz="2200" spc="10" dirty="0">
-                <a:solidFill>
-                  <a:srgbClr val="000000"/>
-                </a:solidFill>
-                <a:latin typeface="Times New Roman"/>
-                <a:cs typeface="Times New Roman"/>
-              </a:rPr>
-              <a:t>Hard to justify Z isn't related to Y </a:t>
-            </a:r>
-            <a:r>
-              <a:rPr lang="en-US" sz="2200" i="1" spc="10" dirty="0">
-                <a:solidFill>
-                  <a:srgbClr val="000000"/>
-                </a:solidFill>
-                <a:latin typeface="Times New Roman"/>
-                <a:cs typeface="Times New Roman"/>
-              </a:rPr>
-              <a:t>at all </a:t>
-            </a:r>
-            <a:r>
-              <a:rPr lang="en-US" sz="2200" spc="10" dirty="0">
-                <a:solidFill>
-                  <a:srgbClr val="000000"/>
-                </a:solidFill>
-                <a:latin typeface="Times New Roman"/>
-                <a:cs typeface="Times New Roman"/>
-              </a:rPr>
-              <a:t>except through X</a:t>
-            </a:r>
-            <a:endParaRPr lang="en-US" sz="2200" dirty="0">
-              <a:cs typeface="Times New Roman" panose="02020603050405020304" pitchFamily="18" charset="0"/>
-            </a:endParaRPr>
-          </a:p>
-          <a:p>
-            <a:pPr lvl="1"/>
-            <a:r>
-              <a:rPr lang="en-US" sz="2200" spc="10" dirty="0">
-                <a:solidFill>
-                  <a:srgbClr val="000000"/>
-                </a:solidFill>
-                <a:latin typeface="Times New Roman"/>
-                <a:cs typeface="Times New Roman"/>
-              </a:rPr>
-              <a:t>Example: </a:t>
-            </a:r>
-            <a:r>
-              <a:rPr lang="en-US" sz="2200" spc="10" dirty="0">
-                <a:solidFill>
-                  <a:srgbClr val="000000"/>
-                </a:solidFill>
-                <a:latin typeface="Times New Roman"/>
-                <a:cs typeface="Times New Roman"/>
-                <a:hlinkClick r:id="rId5"/>
-              </a:rPr>
-              <a:t>blood type might be related to risk of infetions (COVID)</a:t>
-            </a:r>
-            <a:endParaRPr lang="en-US" sz="2200" dirty="0">
-              <a:cs typeface="Times New Roman" panose="02020603050405020304" pitchFamily="18" charset="0"/>
-            </a:endParaRPr>
-          </a:p>
-          <a:p>
-            <a:pPr lvl="1"/>
-            <a:r>
-              <a:rPr lang="en-US" sz="2200" dirty="0">
-                <a:latin typeface="Times New Roman"/>
-                <a:cs typeface="Times New Roman"/>
-              </a:rPr>
-              <a:t>There are tests, but nobody really buys them – this one is all in the story</a:t>
-            </a:r>
-            <a:endParaRPr lang="en-US" sz="2200" dirty="0">
-              <a:cs typeface="Times New Roman" panose="02020603050405020304" pitchFamily="18" charset="0"/>
-            </a:endParaRPr>
-          </a:p>
-          <a:p>
-            <a:endParaRPr lang="en-US" sz="2400" dirty="0">
-              <a:cs typeface="Times New Roman" panose="02020603050405020304" pitchFamily="18" charset="0"/>
-            </a:endParaRPr>
-          </a:p>
-        </p:txBody>
-      </p:sp>
+      <mc:AlternateContent xmlns:mc="http://schemas.openxmlformats.org/markup-compatibility/2006" xmlns:a14="http://schemas.microsoft.com/office/drawing/2010/main">
+        <mc:Choice Requires="a14">
+          <p:sp>
+            <p:nvSpPr>
+              <p:cNvPr id="3" name="Content Placeholder 2"/>
+              <p:cNvSpPr>
+                <a:spLocks noGrp="1"/>
+              </p:cNvSpPr>
+              <p:nvPr>
+                <p:ph idx="1"/>
+              </p:nvPr>
+            </p:nvSpPr>
+            <p:spPr>
+              <a:xfrm>
+                <a:off x="914400" y="1066801"/>
+                <a:ext cx="9984829" cy="5141388"/>
+              </a:xfrm>
+            </p:spPr>
+            <p:txBody>
+              <a:bodyPr vert="horz" lIns="91440" tIns="45720" rIns="91440" bIns="45720" rtlCol="0" anchor="t">
+                <a:normAutofit/>
+              </a:bodyPr>
+              <a:lstStyle/>
+              <a:p>
+                <a:pPr marL="457200" indent="-457200">
+                  <a:buAutoNum type="arabicPeriod"/>
+                </a:pPr>
+                <a:r>
+                  <a:rPr lang="en-US" sz="2400" dirty="0">
+                    <a:latin typeface="Times New Roman"/>
+                    <a:cs typeface="Times New Roman"/>
+                  </a:rPr>
+                  <a:t>Report relevance: </a:t>
+                </a:r>
+                <a:endParaRPr lang="en-US" dirty="0">
+                  <a:cs typeface="Times New Roman" panose="02020603050405020304" pitchFamily="18" charset="0"/>
+                </a:endParaRPr>
+              </a:p>
+              <a:p>
+                <a:pPr lvl="1"/>
+                <a:r>
+                  <a:rPr lang="en-US" sz="2200" spc="10" dirty="0">
+                    <a:solidFill>
+                      <a:srgbClr val="000000"/>
+                    </a:solidFill>
+                    <a:latin typeface="Times New Roman"/>
+                    <a:cs typeface="Times New Roman"/>
+                  </a:rPr>
+                  <a:t>Used to be F &gt; 10, </a:t>
+                </a:r>
+                <a:r>
+                  <a:rPr lang="en-US" sz="2200" spc="10" dirty="0">
+                    <a:solidFill>
+                      <a:srgbClr val="000000"/>
+                    </a:solidFill>
+                    <a:latin typeface="Times New Roman"/>
+                    <a:cs typeface="Times New Roman"/>
+                    <a:hlinkClick r:id="rId3"/>
+                  </a:rPr>
+                  <a:t>now is F &gt; 104.7</a:t>
+                </a:r>
+                <a:endParaRPr lang="en-US" sz="2200" spc="10" dirty="0">
+                  <a:solidFill>
+                    <a:srgbClr val="000000"/>
+                  </a:solidFill>
+                  <a:latin typeface="Times New Roman"/>
+                  <a:cs typeface="Times New Roman"/>
+                </a:endParaRPr>
+              </a:p>
+              <a:p>
+                <a:pPr marL="457200" indent="-457200">
+                  <a:buAutoNum type="arabicPeriod"/>
+                </a:pPr>
+                <a:r>
+                  <a:rPr lang="en-US" sz="2400" dirty="0">
+                    <a:latin typeface="Times New Roman"/>
+                    <a:cs typeface="Times New Roman"/>
+                  </a:rPr>
+                  <a:t>Correct for weak instrument problems</a:t>
+                </a:r>
+              </a:p>
+              <a:p>
+                <a:pPr marL="457200" lvl="1">
+                  <a:buFont typeface="Wingdings 2" pitchFamily="34" charset="0"/>
+                  <a:buChar char=""/>
+                </a:pPr>
+                <a:r>
+                  <a:rPr lang="en-US" sz="2400" dirty="0">
+                    <a:latin typeface="Times New Roman"/>
+                    <a:cs typeface="Times New Roman"/>
+                  </a:rPr>
+                  <a:t>There are </a:t>
+                </a:r>
+                <a:r>
+                  <a:rPr lang="en-US" sz="2400" dirty="0">
+                    <a:latin typeface="Times New Roman"/>
+                    <a:cs typeface="Times New Roman"/>
+                    <a:hlinkClick r:id="rId4"/>
+                  </a:rPr>
+                  <a:t>bias correction tests and methods</a:t>
+                </a:r>
+                <a:r>
+                  <a:rPr lang="en-US" sz="2400" dirty="0">
+                    <a:latin typeface="Times New Roman"/>
+                    <a:cs typeface="Times New Roman"/>
+                  </a:rPr>
+                  <a:t> </a:t>
+                </a:r>
+              </a:p>
+              <a:p>
+                <a:pPr marL="457200" lvl="1">
+                  <a:buFont typeface="Wingdings 2" pitchFamily="34" charset="0"/>
+                  <a:buChar char=""/>
+                </a:pPr>
+                <a:r>
+                  <a:rPr lang="en-US" sz="2400" dirty="0">
+                    <a:latin typeface="Times New Roman"/>
+                    <a:cs typeface="Times New Roman"/>
+                  </a:rPr>
+                  <a:t>These corrections aren't universally accepted</a:t>
+                </a:r>
+              </a:p>
+              <a:p>
+                <a:pPr marL="457200" lvl="1">
+                  <a:buFont typeface="Wingdings 2" pitchFamily="34" charset="0"/>
+                  <a:buChar char=""/>
+                </a:pPr>
+                <a:r>
+                  <a:rPr lang="en-US" sz="2400" dirty="0">
+                    <a:cs typeface="Times New Roman" panose="02020603050405020304" pitchFamily="18" charset="0"/>
+                  </a:rPr>
+                  <a:t>Generally, they blow up your standard errors too much to be useful anyway</a:t>
+                </a:r>
+                <a:endParaRPr lang="en-US" dirty="0"/>
+              </a:p>
+              <a:p>
+                <a:pPr marL="457200" indent="-457200">
+                  <a:buAutoNum type="arabicPeriod"/>
+                </a:pPr>
+                <a:r>
+                  <a:rPr lang="en-US" sz="2400" b="1" dirty="0">
+                    <a:solidFill>
+                      <a:schemeClr val="accent2">
+                        <a:lumMod val="75000"/>
+                      </a:schemeClr>
+                    </a:solidFill>
+                    <a:latin typeface="Times New Roman"/>
+                    <a:cs typeface="Times New Roman"/>
+                  </a:rPr>
+                  <a:t>Defend validity</a:t>
+                </a:r>
+                <a:endParaRPr lang="en-US" sz="2400" b="1" dirty="0">
+                  <a:solidFill>
+                    <a:schemeClr val="accent2">
+                      <a:lumMod val="75000"/>
+                    </a:schemeClr>
+                  </a:solidFill>
+                  <a:cs typeface="Times New Roman" panose="02020603050405020304" pitchFamily="18" charset="0"/>
+                </a:endParaRPr>
+              </a:p>
+              <a:p>
+                <a:pPr lvl="1"/>
+                <a:r>
+                  <a:rPr lang="en-US" sz="2200" spc="10" dirty="0">
+                    <a:solidFill>
+                      <a:srgbClr val="000000"/>
+                    </a:solidFill>
+                    <a:latin typeface="Times New Roman"/>
+                    <a:cs typeface="Times New Roman"/>
+                  </a:rPr>
+                  <a:t>Hard to justify </a:t>
+                </a:r>
+                <a14:m>
+                  <m:oMath xmlns:m="http://schemas.openxmlformats.org/officeDocument/2006/math">
+                    <m:r>
+                      <a:rPr lang="en-US" sz="2200" b="0" i="1" spc="10" smtClean="0">
+                        <a:solidFill>
+                          <a:srgbClr val="000000"/>
+                        </a:solidFill>
+                        <a:latin typeface="Cambria Math" panose="02040503050406030204" pitchFamily="18" charset="0"/>
+                        <a:cs typeface="Times New Roman"/>
+                      </a:rPr>
+                      <m:t>𝑍</m:t>
+                    </m:r>
+                  </m:oMath>
+                </a14:m>
+                <a:r>
+                  <a:rPr lang="en-US" sz="2200" spc="10" dirty="0">
+                    <a:solidFill>
+                      <a:srgbClr val="000000"/>
+                    </a:solidFill>
+                    <a:latin typeface="Times New Roman"/>
+                    <a:cs typeface="Times New Roman"/>
+                  </a:rPr>
+                  <a:t> isn't related to </a:t>
+                </a:r>
+                <a14:m>
+                  <m:oMath xmlns:m="http://schemas.openxmlformats.org/officeDocument/2006/math">
+                    <m:r>
+                      <a:rPr lang="en-US" sz="2200" b="0" i="1" spc="10" smtClean="0">
+                        <a:solidFill>
+                          <a:srgbClr val="000000"/>
+                        </a:solidFill>
+                        <a:latin typeface="Cambria Math" panose="02040503050406030204" pitchFamily="18" charset="0"/>
+                        <a:cs typeface="Times New Roman"/>
+                      </a:rPr>
+                      <m:t>𝑌</m:t>
+                    </m:r>
+                  </m:oMath>
+                </a14:m>
+                <a:r>
+                  <a:rPr lang="en-US" sz="2200" spc="10" dirty="0">
+                    <a:solidFill>
+                      <a:srgbClr val="000000"/>
+                    </a:solidFill>
+                    <a:latin typeface="Times New Roman"/>
+                    <a:cs typeface="Times New Roman"/>
+                  </a:rPr>
+                  <a:t> </a:t>
+                </a:r>
+                <a:r>
+                  <a:rPr lang="en-US" sz="2200" i="1" spc="10" dirty="0">
+                    <a:solidFill>
+                      <a:srgbClr val="000000"/>
+                    </a:solidFill>
+                    <a:latin typeface="Times New Roman"/>
+                    <a:cs typeface="Times New Roman"/>
+                  </a:rPr>
+                  <a:t>at all </a:t>
+                </a:r>
+                <a:r>
+                  <a:rPr lang="en-US" sz="2200" spc="10" dirty="0">
+                    <a:solidFill>
+                      <a:srgbClr val="000000"/>
+                    </a:solidFill>
+                    <a:latin typeface="Times New Roman"/>
+                    <a:cs typeface="Times New Roman"/>
+                  </a:rPr>
+                  <a:t>except through </a:t>
+                </a:r>
+                <a14:m>
+                  <m:oMath xmlns:m="http://schemas.openxmlformats.org/officeDocument/2006/math">
+                    <m:r>
+                      <a:rPr lang="en-US" sz="2200" b="0" i="1" spc="10" smtClean="0">
+                        <a:solidFill>
+                          <a:srgbClr val="000000"/>
+                        </a:solidFill>
+                        <a:latin typeface="Cambria Math" panose="02040503050406030204" pitchFamily="18" charset="0"/>
+                        <a:cs typeface="Times New Roman"/>
+                      </a:rPr>
+                      <m:t>𝑋</m:t>
+                    </m:r>
+                  </m:oMath>
+                </a14:m>
+                <a:endParaRPr lang="en-US" sz="2200" dirty="0">
+                  <a:cs typeface="Times New Roman" panose="02020603050405020304" pitchFamily="18" charset="0"/>
+                </a:endParaRPr>
+              </a:p>
+              <a:p>
+                <a:pPr lvl="1"/>
+                <a:r>
+                  <a:rPr lang="en-US" sz="2200" spc="10" dirty="0">
+                    <a:solidFill>
+                      <a:srgbClr val="000000"/>
+                    </a:solidFill>
+                    <a:latin typeface="Times New Roman"/>
+                    <a:cs typeface="Times New Roman"/>
+                  </a:rPr>
+                  <a:t>Example: </a:t>
+                </a:r>
+                <a:r>
+                  <a:rPr lang="en-US" sz="2200" spc="10" dirty="0">
+                    <a:solidFill>
+                      <a:srgbClr val="000000"/>
+                    </a:solidFill>
+                    <a:latin typeface="Times New Roman"/>
+                    <a:cs typeface="Times New Roman"/>
+                    <a:hlinkClick r:id="rId5"/>
+                  </a:rPr>
+                  <a:t>blood type might be related to risk of infetions (COVID)</a:t>
+                </a:r>
+                <a:endParaRPr lang="en-US" sz="2200" dirty="0">
+                  <a:cs typeface="Times New Roman" panose="02020603050405020304" pitchFamily="18" charset="0"/>
+                </a:endParaRPr>
+              </a:p>
+              <a:p>
+                <a:pPr lvl="1"/>
+                <a:r>
+                  <a:rPr lang="en-US" sz="2200" dirty="0">
+                    <a:latin typeface="Times New Roman"/>
+                    <a:cs typeface="Times New Roman"/>
+                  </a:rPr>
+                  <a:t>There are tests, but nobody really buys them – this one is all in the story</a:t>
+                </a:r>
+                <a:endParaRPr lang="en-US" sz="2200" dirty="0">
+                  <a:cs typeface="Times New Roman" panose="02020603050405020304" pitchFamily="18" charset="0"/>
+                </a:endParaRPr>
+              </a:p>
+              <a:p>
+                <a:endParaRPr lang="en-US" sz="2400" dirty="0">
+                  <a:cs typeface="Times New Roman" panose="02020603050405020304" pitchFamily="18" charset="0"/>
+                </a:endParaRPr>
+              </a:p>
+            </p:txBody>
+          </p:sp>
+        </mc:Choice>
+        <mc:Fallback xmlns="">
+          <p:sp>
+            <p:nvSpPr>
+              <p:cNvPr id="3" name="Content Placeholder 2"/>
+              <p:cNvSpPr>
+                <a:spLocks noGrp="1" noRot="1" noChangeAspect="1" noMove="1" noResize="1" noEditPoints="1" noAdjustHandles="1" noChangeArrowheads="1" noChangeShapeType="1" noTextEdit="1"/>
+              </p:cNvSpPr>
+              <p:nvPr>
+                <p:ph idx="1"/>
+              </p:nvPr>
+            </p:nvSpPr>
+            <p:spPr>
+              <a:xfrm>
+                <a:off x="914400" y="1066801"/>
+                <a:ext cx="9984829" cy="5141388"/>
+              </a:xfrm>
+              <a:blipFill>
+                <a:blip r:embed="rId6"/>
+                <a:stretch>
+                  <a:fillRect l="-488" t="-1305"/>
+                </a:stretch>
+              </a:blipFill>
+            </p:spPr>
+            <p:txBody>
+              <a:bodyPr/>
+              <a:lstStyle/>
+              <a:p>
+                <a:r>
+                  <a:rPr lang="en-US">
+                    <a:noFill/>
+                  </a:rPr>
+                  <a:t> </a:t>
+                </a:r>
+              </a:p>
+            </p:txBody>
+          </p:sp>
+        </mc:Fallback>
+      </mc:AlternateContent>
     </p:spTree>
     <p:extLst>
       <p:ext uri="{BB962C8B-B14F-4D97-AF65-F5344CB8AC3E}">
@@ -15597,7 +15820,7 @@
               </a:rPr>
               <a:t>Use packages to help get the standard errors right</a:t>
             </a:r>
-            <a:endParaRPr lang="en-US">
+            <a:endParaRPr lang="en-US" dirty="0">
               <a:cs typeface="Times New Roman" panose="02020603050405020304" pitchFamily="18" charset="0"/>
             </a:endParaRPr>
           </a:p>
@@ -15678,7 +15901,7 @@
                 <a:latin typeface="Times New Roman"/>
                 <a:cs typeface="Times New Roman"/>
               </a:rPr>
-              <a:t>Really, this just means increasing your SEs</a:t>
+              <a:t>Really, this just means increasing your standard errors</a:t>
             </a:r>
             <a:endParaRPr lang="en-US" sz="2200" b="1" dirty="0">
               <a:solidFill>
@@ -15852,7 +16075,7 @@
               </a:rPr>
               <a:t>Use packages to help get the standard errors right</a:t>
             </a:r>
-            <a:endParaRPr lang="en-US">
+            <a:endParaRPr lang="en-US" dirty="0">
               <a:cs typeface="Times New Roman" panose="02020603050405020304" pitchFamily="18" charset="0"/>
             </a:endParaRPr>
           </a:p>
@@ -15924,21 +16147,53 @@
             </a:r>
           </a:p>
           <a:p>
+            <a:pPr lvl="1"/>
+            <a:r>
+              <a:rPr lang="en-US" sz="2200" dirty="0">
+                <a:latin typeface="Times New Roman"/>
+                <a:cs typeface="Times New Roman"/>
+              </a:rPr>
+              <a:t>Really, this just means increasing your standard errors</a:t>
+            </a:r>
+          </a:p>
+          <a:p>
+            <a:pPr lvl="1"/>
+            <a:endParaRPr lang="en-US" sz="2200" dirty="0">
+              <a:latin typeface="Times New Roman"/>
+              <a:cs typeface="Times New Roman"/>
+            </a:endParaRPr>
+          </a:p>
+          <a:p>
+            <a:pPr marL="274320" lvl="1" indent="0">
+              <a:buNone/>
+            </a:pPr>
+            <a:endParaRPr lang="en-US" sz="2200" dirty="0">
+              <a:latin typeface="Times New Roman"/>
+              <a:cs typeface="Times New Roman"/>
+            </a:endParaRPr>
+          </a:p>
+          <a:p>
             <a:pPr marL="0" indent="0">
               <a:buNone/>
             </a:pPr>
-            <a:endParaRPr lang="en-US" sz="2400" dirty="0">
-              <a:latin typeface="Times New Roman"/>
-              <a:cs typeface="Times New Roman"/>
-            </a:endParaRPr>
-          </a:p>
-          <a:p>
+            <a:r>
+              <a:rPr lang="en-US" sz="2400" b="1" dirty="0">
+                <a:solidFill>
+                  <a:schemeClr val="accent2">
+                    <a:lumMod val="75000"/>
+                  </a:schemeClr>
+                </a:solidFill>
+                <a:latin typeface="Times New Roman"/>
+                <a:cs typeface="Times New Roman"/>
+              </a:rPr>
+              <a:t>Other issues:</a:t>
+            </a:r>
             <a:r>
               <a:rPr lang="en-US" sz="2400" dirty="0">
                 <a:latin typeface="Times New Roman"/>
                 <a:cs typeface="Times New Roman"/>
               </a:rPr>
-              <a:t>Other issues: </a:t>
+              <a:t> </a:t>
             </a:r>
           </a:p>
           <a:p>
@@ -17048,136 +17303,258 @@
           </a:p>
         </p:txBody>
       </p:sp>
-      <p:sp>
-        <p:nvSpPr>
-          <p:cNvPr id="3" name="Content Placeholder 2"/>
-          <p:cNvSpPr>
-            <a:spLocks noGrp="1"/>
-          </p:cNvSpPr>
-          <p:nvPr>
-            <p:ph idx="1"/>
-          </p:nvPr>
-        </p:nvSpPr>
-        <p:spPr>
-          <a:xfrm>
-            <a:off x="914400" y="1066801"/>
-            <a:ext cx="9984829" cy="5141388"/>
-          </a:xfrm>
-        </p:spPr>
-        <p:txBody>
-          <a:bodyPr vert="horz" lIns="91440" tIns="45720" rIns="91440" bIns="45720" rtlCol="0" anchor="t">
-            <a:normAutofit/>
-          </a:bodyPr>
-          <a:lstStyle/>
-          <a:p>
-            <a:r>
-              <a:rPr lang="en-US" sz="2400" dirty="0">
-                <a:latin typeface="Times New Roman"/>
-                <a:cs typeface="Times New Roman"/>
-              </a:rPr>
-              <a:t>Instead of 2SLS, can use a more general regression technique: the </a:t>
-            </a:r>
-            <a:r>
-              <a:rPr lang="en-US" sz="2400" b="1" dirty="0">
-                <a:solidFill>
-                  <a:schemeClr val="accent2">
-                    <a:lumMod val="75000"/>
-                  </a:schemeClr>
-                </a:solidFill>
-                <a:latin typeface="Times New Roman"/>
-                <a:cs typeface="Times New Roman"/>
-              </a:rPr>
-              <a:t>generalized method of moments (GMM)</a:t>
-            </a:r>
-            <a:endParaRPr lang="en-US" dirty="0">
-              <a:solidFill>
-                <a:schemeClr val="accent2">
-                  <a:lumMod val="75000"/>
-                </a:schemeClr>
-              </a:solidFill>
-              <a:cs typeface="Times New Roman" panose="02020603050405020304" pitchFamily="18" charset="0"/>
-            </a:endParaRPr>
-          </a:p>
-          <a:p>
-            <a:r>
-              <a:rPr lang="en-US" sz="2400" dirty="0">
-                <a:latin typeface="Times New Roman"/>
-                <a:cs typeface="Times New Roman"/>
-              </a:rPr>
-              <a:t>Ordinary regression makes restrictions on the </a:t>
-            </a:r>
-            <a:r>
-              <a:rPr lang="en-US" sz="2400" i="1" dirty="0">
-                <a:latin typeface="Times New Roman"/>
-                <a:cs typeface="Times New Roman"/>
-              </a:rPr>
-              <a:t>predicted values </a:t>
-            </a:r>
-            <a:r>
-              <a:rPr lang="en-US" sz="2400" dirty="0">
-                <a:latin typeface="Times New Roman"/>
-                <a:cs typeface="Times New Roman"/>
-              </a:rPr>
-              <a:t>of a regression</a:t>
-            </a:r>
-            <a:endParaRPr lang="en-US" sz="2400" dirty="0">
-              <a:cs typeface="Times New Roman" panose="02020603050405020304" pitchFamily="18" charset="0"/>
-            </a:endParaRPr>
-          </a:p>
-          <a:p>
-            <a:r>
-              <a:rPr lang="en-US" sz="2400" dirty="0">
-                <a:latin typeface="Times New Roman"/>
-                <a:cs typeface="Times New Roman"/>
-              </a:rPr>
-              <a:t>GMM makes restrictions on the </a:t>
-            </a:r>
-            <a:r>
-              <a:rPr lang="en-US" sz="2400" i="1" dirty="0">
-                <a:latin typeface="Times New Roman"/>
-                <a:cs typeface="Times New Roman"/>
-              </a:rPr>
-              <a:t>statistical moments </a:t>
-            </a:r>
-            <a:r>
-              <a:rPr lang="en-US" sz="2400" dirty="0">
-                <a:latin typeface="Times New Roman"/>
-                <a:cs typeface="Times New Roman"/>
-              </a:rPr>
-              <a:t>of a regression</a:t>
-            </a:r>
-            <a:endParaRPr lang="en-US" sz="2400" dirty="0">
-              <a:cs typeface="Times New Roman" panose="02020603050405020304" pitchFamily="18" charset="0"/>
-            </a:endParaRPr>
-          </a:p>
-          <a:p>
-            <a:r>
-              <a:rPr lang="en-US" sz="2400" dirty="0">
-                <a:latin typeface="Times New Roman"/>
-                <a:cs typeface="Times New Roman"/>
-              </a:rPr>
-              <a:t>(Add equation here for mu-E(Y)=0)</a:t>
-            </a:r>
-            <a:endParaRPr lang="en-US" sz="2400" dirty="0">
-              <a:cs typeface="Times New Roman" panose="02020603050405020304" pitchFamily="18" charset="0"/>
-            </a:endParaRPr>
-          </a:p>
-          <a:p>
-            <a:r>
-              <a:rPr lang="en-US" sz="2400" dirty="0">
-                <a:latin typeface="Times New Roman"/>
-                <a:cs typeface="Times New Roman"/>
-              </a:rPr>
-              <a:t>Then use sample data to satisfy condition </a:t>
-            </a:r>
-          </a:p>
-          <a:p>
-            <a:endParaRPr lang="en-US" sz="2400" dirty="0">
-              <a:cs typeface="Times New Roman" panose="02020603050405020304" pitchFamily="18" charset="0"/>
-            </a:endParaRPr>
-          </a:p>
-        </p:txBody>
-      </p:sp>
+      <mc:AlternateContent xmlns:mc="http://schemas.openxmlformats.org/markup-compatibility/2006" xmlns:a14="http://schemas.microsoft.com/office/drawing/2010/main">
+        <mc:Choice Requires="a14">
+          <p:sp>
+            <p:nvSpPr>
+              <p:cNvPr id="3" name="Content Placeholder 2"/>
+              <p:cNvSpPr>
+                <a:spLocks noGrp="1"/>
+              </p:cNvSpPr>
+              <p:nvPr>
+                <p:ph idx="1"/>
+              </p:nvPr>
+            </p:nvSpPr>
+            <p:spPr>
+              <a:xfrm>
+                <a:off x="914400" y="1066801"/>
+                <a:ext cx="9984829" cy="5141388"/>
+              </a:xfrm>
+            </p:spPr>
+            <p:txBody>
+              <a:bodyPr vert="horz" lIns="91440" tIns="45720" rIns="91440" bIns="45720" rtlCol="0" anchor="t">
+                <a:normAutofit/>
+              </a:bodyPr>
+              <a:lstStyle/>
+              <a:p>
+                <a:r>
+                  <a:rPr lang="en-US" sz="2400" dirty="0">
+                    <a:latin typeface="Times New Roman"/>
+                    <a:cs typeface="Times New Roman"/>
+                  </a:rPr>
+                  <a:t>Instead of 2SLS, can use a more general regression technique: the </a:t>
+                </a:r>
+                <a:r>
+                  <a:rPr lang="en-US" sz="2400" b="1" dirty="0">
+                    <a:solidFill>
+                      <a:schemeClr val="accent2">
+                        <a:lumMod val="75000"/>
+                      </a:schemeClr>
+                    </a:solidFill>
+                    <a:latin typeface="Times New Roman"/>
+                    <a:cs typeface="Times New Roman"/>
+                  </a:rPr>
+                  <a:t>generalized method of moments (GMM)</a:t>
+                </a:r>
+                <a:endParaRPr lang="en-US" dirty="0">
+                  <a:solidFill>
+                    <a:schemeClr val="accent2">
+                      <a:lumMod val="75000"/>
+                    </a:schemeClr>
+                  </a:solidFill>
+                  <a:cs typeface="Times New Roman" panose="02020603050405020304" pitchFamily="18" charset="0"/>
+                </a:endParaRPr>
+              </a:p>
+              <a:p>
+                <a:r>
+                  <a:rPr lang="en-US" sz="2400" dirty="0">
+                    <a:latin typeface="Times New Roman"/>
+                    <a:cs typeface="Times New Roman"/>
+                  </a:rPr>
+                  <a:t>Ordinary regression makes restrictions on the </a:t>
+                </a:r>
+                <a:r>
+                  <a:rPr lang="en-US" sz="2400" i="1" dirty="0">
+                    <a:latin typeface="Times New Roman"/>
+                    <a:cs typeface="Times New Roman"/>
+                  </a:rPr>
+                  <a:t>predicted values </a:t>
+                </a:r>
+                <a:r>
+                  <a:rPr lang="en-US" sz="2400" dirty="0">
+                    <a:latin typeface="Times New Roman"/>
+                    <a:cs typeface="Times New Roman"/>
+                  </a:rPr>
+                  <a:t>of a regression</a:t>
+                </a:r>
+                <a:endParaRPr lang="en-US" sz="2400" dirty="0">
+                  <a:cs typeface="Times New Roman" panose="02020603050405020304" pitchFamily="18" charset="0"/>
+                </a:endParaRPr>
+              </a:p>
+              <a:p>
+                <a:r>
+                  <a:rPr lang="en-US" sz="2400" dirty="0">
+                    <a:latin typeface="Times New Roman"/>
+                    <a:cs typeface="Times New Roman"/>
+                  </a:rPr>
+                  <a:t>GMM makes restrictions on the </a:t>
+                </a:r>
+                <a:r>
+                  <a:rPr lang="en-US" sz="2400" i="1" dirty="0">
+                    <a:latin typeface="Times New Roman"/>
+                    <a:cs typeface="Times New Roman"/>
+                  </a:rPr>
+                  <a:t>statistical moments </a:t>
+                </a:r>
+                <a:r>
+                  <a:rPr lang="en-US" sz="2400" dirty="0">
+                    <a:latin typeface="Times New Roman"/>
+                    <a:cs typeface="Times New Roman"/>
+                  </a:rPr>
+                  <a:t>of a regression</a:t>
+                </a:r>
+              </a:p>
+              <a:p>
+                <a:pPr marL="0" indent="0">
+                  <a:buNone/>
+                </a:pPr>
+                <a14:m>
+                  <m:oMathPara xmlns:m="http://schemas.openxmlformats.org/officeDocument/2006/math">
+                    <m:oMathParaPr>
+                      <m:jc m:val="centerGroup"/>
+                    </m:oMathParaPr>
+                    <m:oMath xmlns:m="http://schemas.openxmlformats.org/officeDocument/2006/math">
+                      <m:r>
+                        <a:rPr lang="en-US" sz="2400" b="0" i="1" smtClean="0">
+                          <a:latin typeface="Cambria Math" panose="02040503050406030204" pitchFamily="18" charset="0"/>
+                          <a:cs typeface="Times New Roman" panose="02020603050405020304" pitchFamily="18" charset="0"/>
+                        </a:rPr>
+                        <m:t>𝜇</m:t>
+                      </m:r>
+                      <m:r>
+                        <a:rPr lang="en-US" sz="2400" b="0" i="1" smtClean="0">
+                          <a:latin typeface="Cambria Math" panose="02040503050406030204" pitchFamily="18" charset="0"/>
+                          <a:cs typeface="Times New Roman" panose="02020603050405020304" pitchFamily="18" charset="0"/>
+                        </a:rPr>
+                        <m:t>−</m:t>
+                      </m:r>
+                      <m:r>
+                        <a:rPr lang="en-US" sz="2400" b="0" i="1" smtClean="0">
+                          <a:latin typeface="Cambria Math" panose="02040503050406030204" pitchFamily="18" charset="0"/>
+                          <a:cs typeface="Times New Roman" panose="02020603050405020304" pitchFamily="18" charset="0"/>
+                        </a:rPr>
+                        <m:t>𝔼</m:t>
+                      </m:r>
+                      <m:d>
+                        <m:dPr>
+                          <m:ctrlPr>
+                            <a:rPr lang="en-US" sz="2400" b="0" i="1" smtClean="0">
+                              <a:latin typeface="Cambria Math" panose="02040503050406030204" pitchFamily="18" charset="0"/>
+                              <a:cs typeface="Times New Roman" panose="02020603050405020304" pitchFamily="18" charset="0"/>
+                            </a:rPr>
+                          </m:ctrlPr>
+                        </m:dPr>
+                        <m:e>
+                          <m:r>
+                            <a:rPr lang="en-US" sz="2400" b="0" i="1" smtClean="0">
+                              <a:latin typeface="Cambria Math" panose="02040503050406030204" pitchFamily="18" charset="0"/>
+                              <a:cs typeface="Times New Roman" panose="02020603050405020304" pitchFamily="18" charset="0"/>
+                            </a:rPr>
+                            <m:t>𝑌</m:t>
+                          </m:r>
+                        </m:e>
+                      </m:d>
+                      <m:r>
+                        <a:rPr lang="en-US" sz="2400" b="0" i="1" smtClean="0">
+                          <a:latin typeface="Cambria Math" panose="02040503050406030204" pitchFamily="18" charset="0"/>
+                          <a:cs typeface="Times New Roman" panose="02020603050405020304" pitchFamily="18" charset="0"/>
+                        </a:rPr>
+                        <m:t>=0</m:t>
+                      </m:r>
+                    </m:oMath>
+                  </m:oMathPara>
+                </a14:m>
+                <a:endParaRPr lang="en-US" sz="2400" b="0" dirty="0">
+                  <a:latin typeface="Times New Roman"/>
+                  <a:cs typeface="Times New Roman" panose="02020603050405020304" pitchFamily="18" charset="0"/>
+                </a:endParaRPr>
+              </a:p>
+              <a:p>
+                <a:r>
+                  <a:rPr lang="en-US" sz="2400" dirty="0">
+                    <a:latin typeface="Times New Roman"/>
+                    <a:cs typeface="Times New Roman"/>
+                  </a:rPr>
+                  <a:t>Then use sample data to satisfy condition (e.g., with </a:t>
+                </a:r>
+                <a14:m>
+                  <m:oMath xmlns:m="http://schemas.openxmlformats.org/officeDocument/2006/math">
+                    <m:acc>
+                      <m:accPr>
+                        <m:chr m:val="̂"/>
+                        <m:ctrlPr>
+                          <a:rPr lang="en-US" sz="2400" b="0" i="1" smtClean="0">
+                            <a:latin typeface="Cambria Math" panose="02040503050406030204" pitchFamily="18" charset="0"/>
+                            <a:cs typeface="Times New Roman"/>
+                          </a:rPr>
+                        </m:ctrlPr>
+                      </m:accPr>
+                      <m:e>
+                        <m:r>
+                          <a:rPr lang="en-US" sz="2400" b="0" i="1" smtClean="0">
+                            <a:latin typeface="Cambria Math" panose="02040503050406030204" pitchFamily="18" charset="0"/>
+                            <a:cs typeface="Times New Roman"/>
+                          </a:rPr>
+                          <m:t>𝜇</m:t>
+                        </m:r>
+                      </m:e>
+                    </m:acc>
+                  </m:oMath>
+                </a14:m>
+                <a:r>
+                  <a:rPr lang="en-US" sz="2400" dirty="0">
+                    <a:latin typeface="Times New Roman"/>
+                    <a:cs typeface="Times New Roman"/>
+                  </a:rPr>
+                  <a:t>)</a:t>
+                </a:r>
+              </a:p>
+              <a:p>
+                <a:endParaRPr lang="en-US" sz="2400" dirty="0">
+                  <a:cs typeface="Times New Roman" panose="02020603050405020304" pitchFamily="18" charset="0"/>
+                </a:endParaRPr>
+              </a:p>
+            </p:txBody>
+          </p:sp>
+        </mc:Choice>
+        <mc:Fallback xmlns="">
+          <p:sp>
+            <p:nvSpPr>
+              <p:cNvPr id="3" name="Content Placeholder 2"/>
+              <p:cNvSpPr>
+                <a:spLocks noGrp="1" noRot="1" noChangeAspect="1" noMove="1" noResize="1" noEditPoints="1" noAdjustHandles="1" noChangeArrowheads="1" noChangeShapeType="1" noTextEdit="1"/>
+              </p:cNvSpPr>
+              <p:nvPr>
+                <p:ph idx="1"/>
+              </p:nvPr>
+            </p:nvSpPr>
+            <p:spPr>
+              <a:xfrm>
+                <a:off x="914400" y="1066801"/>
+                <a:ext cx="9984829" cy="5141388"/>
+              </a:xfrm>
+              <a:blipFill>
+                <a:blip r:embed="rId3"/>
+                <a:stretch>
+                  <a:fillRect l="-427" t="-1305" r="-244"/>
+                </a:stretch>
+              </a:blipFill>
+            </p:spPr>
+            <p:txBody>
+              <a:bodyPr/>
+              <a:lstStyle/>
+              <a:p>
+                <a:r>
+                  <a:rPr lang="en-US">
+                    <a:noFill/>
+                  </a:rPr>
+                  <a:t> </a:t>
+                </a:r>
+              </a:p>
+            </p:txBody>
+          </p:sp>
+        </mc:Fallback>
+      </mc:AlternateContent>
     </p:spTree>
     <p:extLst>
       <p:ext uri="{BB962C8B-B14F-4D97-AF65-F5344CB8AC3E}">
@@ -17240,210 +17617,382 @@
           </a:p>
         </p:txBody>
       </p:sp>
-      <p:sp>
-        <p:nvSpPr>
-          <p:cNvPr id="3" name="Content Placeholder 2"/>
-          <p:cNvSpPr>
-            <a:spLocks noGrp="1"/>
-          </p:cNvSpPr>
-          <p:nvPr>
-            <p:ph idx="1"/>
-          </p:nvPr>
-        </p:nvSpPr>
-        <p:spPr>
-          <a:xfrm>
-            <a:off x="914400" y="1066801"/>
-            <a:ext cx="9984829" cy="5141388"/>
-          </a:xfrm>
-        </p:spPr>
-        <p:txBody>
-          <a:bodyPr vert="horz" lIns="91440" tIns="45720" rIns="91440" bIns="45720" rtlCol="0" anchor="t">
-            <a:normAutofit/>
-          </a:bodyPr>
-          <a:lstStyle/>
-          <a:p>
-            <a:r>
-              <a:rPr lang="en-US" sz="2400" dirty="0">
-                <a:latin typeface="Times New Roman"/>
-                <a:cs typeface="Times New Roman"/>
-              </a:rPr>
-              <a:t>Instead of 2SLS, can use a more general regression technique: the </a:t>
-            </a:r>
-            <a:r>
-              <a:rPr lang="en-US" sz="2400" b="1" dirty="0">
-                <a:solidFill>
-                  <a:schemeClr val="accent2">
-                    <a:lumMod val="75000"/>
-                  </a:schemeClr>
-                </a:solidFill>
-                <a:latin typeface="Times New Roman"/>
-                <a:cs typeface="Times New Roman"/>
-              </a:rPr>
-              <a:t>generalized method of moments (GMM)</a:t>
-            </a:r>
-            <a:endParaRPr lang="en-US" dirty="0">
-              <a:solidFill>
-                <a:schemeClr val="accent2">
-                  <a:lumMod val="75000"/>
-                </a:schemeClr>
-              </a:solidFill>
-              <a:cs typeface="Times New Roman" panose="02020603050405020304" pitchFamily="18" charset="0"/>
-            </a:endParaRPr>
-          </a:p>
-          <a:p>
-            <a:r>
-              <a:rPr lang="en-US" sz="2400" dirty="0">
-                <a:latin typeface="Times New Roman"/>
-                <a:cs typeface="Times New Roman"/>
-              </a:rPr>
-              <a:t>Ordinary regression makes restrictions on the </a:t>
-            </a:r>
-            <a:r>
-              <a:rPr lang="en-US" sz="2400" i="1" dirty="0">
-                <a:latin typeface="Times New Roman"/>
-                <a:cs typeface="Times New Roman"/>
-              </a:rPr>
-              <a:t>predicted values </a:t>
-            </a:r>
-            <a:r>
-              <a:rPr lang="en-US" sz="2400" dirty="0">
-                <a:latin typeface="Times New Roman"/>
-                <a:cs typeface="Times New Roman"/>
-              </a:rPr>
-              <a:t>of a regression</a:t>
-            </a:r>
-            <a:endParaRPr lang="en-US" sz="2400" dirty="0">
-              <a:cs typeface="Times New Roman" panose="02020603050405020304" pitchFamily="18" charset="0"/>
-            </a:endParaRPr>
-          </a:p>
-          <a:p>
-            <a:r>
-              <a:rPr lang="en-US" sz="2400" dirty="0">
-                <a:latin typeface="Times New Roman"/>
-                <a:cs typeface="Times New Roman"/>
-              </a:rPr>
-              <a:t>GMM makes restrictions on the </a:t>
-            </a:r>
-            <a:r>
-              <a:rPr lang="en-US" sz="2400" i="1" dirty="0">
-                <a:latin typeface="Times New Roman"/>
-                <a:cs typeface="Times New Roman"/>
-              </a:rPr>
-              <a:t>statistical moments </a:t>
-            </a:r>
-            <a:r>
-              <a:rPr lang="en-US" sz="2400" dirty="0">
-                <a:latin typeface="Times New Roman"/>
-                <a:cs typeface="Times New Roman"/>
-              </a:rPr>
-              <a:t>of a regression</a:t>
-            </a:r>
-            <a:endParaRPr lang="en-US" sz="2400" dirty="0">
-              <a:cs typeface="Times New Roman" panose="02020603050405020304" pitchFamily="18" charset="0"/>
-            </a:endParaRPr>
-          </a:p>
-          <a:p>
-            <a:r>
-              <a:rPr lang="en-US" sz="2400" dirty="0">
-                <a:latin typeface="Times New Roman"/>
-                <a:cs typeface="Times New Roman"/>
-              </a:rPr>
-              <a:t>(Add equation here for mu-E(Y)=0)</a:t>
-            </a:r>
-            <a:endParaRPr lang="en-US" sz="2400" dirty="0">
-              <a:cs typeface="Times New Roman" panose="02020603050405020304" pitchFamily="18" charset="0"/>
-            </a:endParaRPr>
-          </a:p>
-          <a:p>
-            <a:r>
-              <a:rPr lang="en-US" sz="2400" dirty="0">
-                <a:latin typeface="Times New Roman"/>
-                <a:cs typeface="Times New Roman"/>
-              </a:rPr>
-              <a:t>Then use sample data to satisfy condition </a:t>
-            </a:r>
-          </a:p>
-          <a:p>
-            <a:r>
-              <a:rPr lang="en-US" sz="2400" dirty="0">
-                <a:latin typeface="Times New Roman"/>
-                <a:cs typeface="Times New Roman"/>
-              </a:rPr>
-              <a:t>In IV, the condition is (add equation) </a:t>
-            </a:r>
-            <a:r>
-              <a:rPr lang="en-US" sz="2400" dirty="0" err="1">
-                <a:latin typeface="Times New Roman"/>
-                <a:cs typeface="Times New Roman"/>
-              </a:rPr>
-              <a:t>Cov</a:t>
-            </a:r>
-            <a:r>
-              <a:rPr lang="en-US" sz="2400" dirty="0">
-                <a:latin typeface="Times New Roman"/>
-                <a:cs typeface="Times New Roman"/>
-              </a:rPr>
-              <a:t>(Z, epsilon) = 0.</a:t>
-            </a:r>
-          </a:p>
-          <a:p>
-            <a:r>
-              <a:rPr lang="en-US" sz="2400" dirty="0">
-                <a:latin typeface="Times New Roman"/>
-                <a:cs typeface="Times New Roman"/>
-              </a:rPr>
-              <a:t>GMM lets you deal with </a:t>
-            </a:r>
-            <a:r>
-              <a:rPr lang="en-US" sz="2400" b="1" dirty="0">
-                <a:latin typeface="Times New Roman"/>
-                <a:cs typeface="Times New Roman"/>
-              </a:rPr>
-              <a:t>overidentification – </a:t>
-            </a:r>
-            <a:r>
-              <a:rPr lang="en-US" sz="2400" dirty="0">
-                <a:latin typeface="Times New Roman"/>
-                <a:cs typeface="Times New Roman"/>
-              </a:rPr>
-              <a:t>too many instruments</a:t>
-            </a:r>
-            <a:endParaRPr lang="en-US" sz="2400" dirty="0">
-              <a:cs typeface="Times New Roman" panose="02020603050405020304" pitchFamily="18" charset="0"/>
-            </a:endParaRPr>
-          </a:p>
-          <a:p>
-            <a:pPr lvl="1"/>
-            <a:r>
-              <a:rPr lang="en-US" sz="2200" spc="10" dirty="0">
-                <a:solidFill>
-                  <a:srgbClr val="000000"/>
-                </a:solidFill>
-                <a:latin typeface="Times New Roman"/>
-                <a:cs typeface="Times New Roman"/>
-              </a:rPr>
-              <a:t>GMM will be more precise</a:t>
-            </a:r>
-            <a:endParaRPr lang="en-US" sz="2200" spc="10" dirty="0">
-              <a:solidFill>
-                <a:srgbClr val="000000"/>
-              </a:solidFill>
-              <a:cs typeface="Times New Roman" panose="02020603050405020304" pitchFamily="18" charset="0"/>
-            </a:endParaRPr>
-          </a:p>
-          <a:p>
-            <a:endParaRPr lang="en-US" sz="2400" dirty="0">
-              <a:cs typeface="Times New Roman" panose="02020603050405020304" pitchFamily="18" charset="0"/>
-            </a:endParaRPr>
-          </a:p>
-        </p:txBody>
-      </p:sp>
+      <mc:AlternateContent xmlns:mc="http://schemas.openxmlformats.org/markup-compatibility/2006" xmlns:a14="http://schemas.microsoft.com/office/drawing/2010/main">
+        <mc:Choice Requires="a14">
+          <p:sp>
+            <p:nvSpPr>
+              <p:cNvPr id="3" name="Content Placeholder 2"/>
+              <p:cNvSpPr>
+                <a:spLocks noGrp="1"/>
+              </p:cNvSpPr>
+              <p:nvPr>
+                <p:ph idx="1"/>
+              </p:nvPr>
+            </p:nvSpPr>
+            <p:spPr>
+              <a:xfrm>
+                <a:off x="914400" y="1066801"/>
+                <a:ext cx="9984829" cy="5141388"/>
+              </a:xfrm>
+            </p:spPr>
+            <p:txBody>
+              <a:bodyPr vert="horz" lIns="91440" tIns="45720" rIns="91440" bIns="45720" rtlCol="0" anchor="t">
+                <a:normAutofit/>
+              </a:bodyPr>
+              <a:lstStyle/>
+              <a:p>
+                <a:r>
+                  <a:rPr lang="en-US" sz="2400" dirty="0">
+                    <a:latin typeface="Times New Roman"/>
+                    <a:cs typeface="Times New Roman"/>
+                  </a:rPr>
+                  <a:t>Instead of 2SLS, can use a more general regression technique: the </a:t>
+                </a:r>
+                <a:r>
+                  <a:rPr lang="en-US" sz="2400" b="1" dirty="0">
+                    <a:solidFill>
+                      <a:schemeClr val="accent2">
+                        <a:lumMod val="75000"/>
+                      </a:schemeClr>
+                    </a:solidFill>
+                    <a:latin typeface="Times New Roman"/>
+                    <a:cs typeface="Times New Roman"/>
+                  </a:rPr>
+                  <a:t>generalized method of moments (GMM)</a:t>
+                </a:r>
+                <a:endParaRPr lang="en-US" dirty="0">
+                  <a:solidFill>
+                    <a:schemeClr val="accent2">
+                      <a:lumMod val="75000"/>
+                    </a:schemeClr>
+                  </a:solidFill>
+                  <a:cs typeface="Times New Roman" panose="02020603050405020304" pitchFamily="18" charset="0"/>
+                </a:endParaRPr>
+              </a:p>
+              <a:p>
+                <a:r>
+                  <a:rPr lang="en-US" sz="2400" dirty="0">
+                    <a:latin typeface="Times New Roman"/>
+                    <a:cs typeface="Times New Roman"/>
+                  </a:rPr>
+                  <a:t>Ordinary regression makes restrictions on the </a:t>
+                </a:r>
+                <a:r>
+                  <a:rPr lang="en-US" sz="2400" i="1" dirty="0">
+                    <a:latin typeface="Times New Roman"/>
+                    <a:cs typeface="Times New Roman"/>
+                  </a:rPr>
+                  <a:t>predicted values </a:t>
+                </a:r>
+                <a:r>
+                  <a:rPr lang="en-US" sz="2400" dirty="0">
+                    <a:latin typeface="Times New Roman"/>
+                    <a:cs typeface="Times New Roman"/>
+                  </a:rPr>
+                  <a:t>of a regression</a:t>
+                </a:r>
+                <a:endParaRPr lang="en-US" sz="2400" dirty="0">
+                  <a:cs typeface="Times New Roman" panose="02020603050405020304" pitchFamily="18" charset="0"/>
+                </a:endParaRPr>
+              </a:p>
+              <a:p>
+                <a:r>
+                  <a:rPr lang="en-US" sz="2400" dirty="0">
+                    <a:latin typeface="Times New Roman"/>
+                    <a:cs typeface="Times New Roman"/>
+                  </a:rPr>
+                  <a:t>GMM makes restrictions on the </a:t>
+                </a:r>
+                <a:r>
+                  <a:rPr lang="en-US" sz="2400" i="1" dirty="0">
+                    <a:latin typeface="Times New Roman"/>
+                    <a:cs typeface="Times New Roman"/>
+                  </a:rPr>
+                  <a:t>statistical moments </a:t>
+                </a:r>
+                <a:r>
+                  <a:rPr lang="en-US" sz="2400" dirty="0">
+                    <a:latin typeface="Times New Roman"/>
+                    <a:cs typeface="Times New Roman"/>
+                  </a:rPr>
+                  <a:t>of a regression</a:t>
+                </a:r>
+              </a:p>
+              <a:p>
+                <a:pPr marL="0" indent="0">
+                  <a:buNone/>
+                </a:pPr>
+                <a14:m>
+                  <m:oMathPara xmlns:m="http://schemas.openxmlformats.org/officeDocument/2006/math">
+                    <m:oMathParaPr>
+                      <m:jc m:val="centerGroup"/>
+                    </m:oMathParaPr>
+                    <m:oMath xmlns:m="http://schemas.openxmlformats.org/officeDocument/2006/math">
+                      <m:r>
+                        <a:rPr lang="en-US" sz="2400" b="0" i="1" smtClean="0">
+                          <a:latin typeface="Cambria Math" panose="02040503050406030204" pitchFamily="18" charset="0"/>
+                          <a:cs typeface="Times New Roman" panose="02020603050405020304" pitchFamily="18" charset="0"/>
+                        </a:rPr>
+                        <m:t>𝜇</m:t>
+                      </m:r>
+                      <m:r>
+                        <a:rPr lang="en-US" sz="2400" b="0" i="1" smtClean="0">
+                          <a:latin typeface="Cambria Math" panose="02040503050406030204" pitchFamily="18" charset="0"/>
+                          <a:cs typeface="Times New Roman" panose="02020603050405020304" pitchFamily="18" charset="0"/>
+                        </a:rPr>
+                        <m:t>−</m:t>
+                      </m:r>
+                      <m:r>
+                        <a:rPr lang="en-US" sz="2400" b="0" i="1" smtClean="0">
+                          <a:latin typeface="Cambria Math" panose="02040503050406030204" pitchFamily="18" charset="0"/>
+                          <a:cs typeface="Times New Roman" panose="02020603050405020304" pitchFamily="18" charset="0"/>
+                        </a:rPr>
+                        <m:t>𝔼</m:t>
+                      </m:r>
+                      <m:d>
+                        <m:dPr>
+                          <m:ctrlPr>
+                            <a:rPr lang="en-US" sz="2400" b="0" i="1" smtClean="0">
+                              <a:latin typeface="Cambria Math" panose="02040503050406030204" pitchFamily="18" charset="0"/>
+                              <a:cs typeface="Times New Roman" panose="02020603050405020304" pitchFamily="18" charset="0"/>
+                            </a:rPr>
+                          </m:ctrlPr>
+                        </m:dPr>
+                        <m:e>
+                          <m:r>
+                            <a:rPr lang="en-US" sz="2400" b="0" i="1" smtClean="0">
+                              <a:latin typeface="Cambria Math" panose="02040503050406030204" pitchFamily="18" charset="0"/>
+                              <a:cs typeface="Times New Roman" panose="02020603050405020304" pitchFamily="18" charset="0"/>
+                            </a:rPr>
+                            <m:t>𝑌</m:t>
+                          </m:r>
+                        </m:e>
+                      </m:d>
+                      <m:r>
+                        <a:rPr lang="en-US" sz="2400" b="0" i="1" smtClean="0">
+                          <a:latin typeface="Cambria Math" panose="02040503050406030204" pitchFamily="18" charset="0"/>
+                          <a:cs typeface="Times New Roman" panose="02020603050405020304" pitchFamily="18" charset="0"/>
+                        </a:rPr>
+                        <m:t>=0</m:t>
+                      </m:r>
+                    </m:oMath>
+                  </m:oMathPara>
+                </a14:m>
+                <a:endParaRPr lang="en-US" sz="2400" b="0" dirty="0">
+                  <a:latin typeface="Times New Roman"/>
+                  <a:cs typeface="Times New Roman" panose="02020603050405020304" pitchFamily="18" charset="0"/>
+                </a:endParaRPr>
+              </a:p>
+              <a:p>
+                <a:r>
+                  <a:rPr lang="en-US" sz="2400" dirty="0">
+                    <a:latin typeface="Times New Roman"/>
+                    <a:cs typeface="Times New Roman"/>
+                  </a:rPr>
+                  <a:t>Then use sample data to satisfy condition (e.g., with </a:t>
+                </a:r>
+                <a14:m>
+                  <m:oMath xmlns:m="http://schemas.openxmlformats.org/officeDocument/2006/math">
+                    <m:acc>
+                      <m:accPr>
+                        <m:chr m:val="̂"/>
+                        <m:ctrlPr>
+                          <a:rPr lang="en-US" sz="2400" b="0" i="1" smtClean="0">
+                            <a:latin typeface="Cambria Math" panose="02040503050406030204" pitchFamily="18" charset="0"/>
+                            <a:cs typeface="Times New Roman"/>
+                          </a:rPr>
+                        </m:ctrlPr>
+                      </m:accPr>
+                      <m:e>
+                        <m:r>
+                          <a:rPr lang="en-US" sz="2400" b="0" i="1" smtClean="0">
+                            <a:latin typeface="Cambria Math" panose="02040503050406030204" pitchFamily="18" charset="0"/>
+                            <a:cs typeface="Times New Roman"/>
+                          </a:rPr>
+                          <m:t>𝜇</m:t>
+                        </m:r>
+                      </m:e>
+                    </m:acc>
+                  </m:oMath>
+                </a14:m>
+                <a:r>
+                  <a:rPr lang="en-US" sz="2400" dirty="0">
+                    <a:latin typeface="Times New Roman"/>
+                    <a:cs typeface="Times New Roman"/>
+                  </a:rPr>
+                  <a:t>)</a:t>
+                </a:r>
+              </a:p>
+              <a:p>
+                <a:r>
+                  <a:rPr lang="en-US" sz="2400" dirty="0">
+                    <a:latin typeface="Times New Roman"/>
+                    <a:cs typeface="Times New Roman"/>
+                  </a:rPr>
+                  <a:t>In IV, the restriction is that </a:t>
+                </a:r>
+                <a14:m>
+                  <m:oMath xmlns:m="http://schemas.openxmlformats.org/officeDocument/2006/math">
+                    <m:r>
+                      <a:rPr lang="en-US" sz="2400" b="0" i="1" smtClean="0">
+                        <a:latin typeface="Cambria Math" panose="02040503050406030204" pitchFamily="18" charset="0"/>
+                        <a:cs typeface="Times New Roman"/>
+                      </a:rPr>
+                      <m:t>𝐶𝑜𝑣</m:t>
+                    </m:r>
+                    <m:d>
+                      <m:dPr>
+                        <m:ctrlPr>
+                          <a:rPr lang="en-US" sz="2400" b="0" i="1" smtClean="0">
+                            <a:latin typeface="Cambria Math" panose="02040503050406030204" pitchFamily="18" charset="0"/>
+                            <a:cs typeface="Times New Roman"/>
+                          </a:rPr>
+                        </m:ctrlPr>
+                      </m:dPr>
+                      <m:e>
+                        <m:r>
+                          <a:rPr lang="en-US" sz="2400" b="0" i="1" smtClean="0">
+                            <a:latin typeface="Cambria Math" panose="02040503050406030204" pitchFamily="18" charset="0"/>
+                            <a:cs typeface="Times New Roman"/>
+                          </a:rPr>
+                          <m:t>𝑍</m:t>
+                        </m:r>
+                        <m:r>
+                          <a:rPr lang="en-US" sz="2400" b="0" i="1" smtClean="0">
+                            <a:latin typeface="Cambria Math" panose="02040503050406030204" pitchFamily="18" charset="0"/>
+                            <a:cs typeface="Times New Roman"/>
+                          </a:rPr>
+                          <m:t>,</m:t>
+                        </m:r>
+                        <m:r>
+                          <a:rPr lang="en-US" sz="2400" b="0" i="1" smtClean="0">
+                            <a:latin typeface="Cambria Math" panose="02040503050406030204" pitchFamily="18" charset="0"/>
+                            <a:cs typeface="Times New Roman"/>
+                          </a:rPr>
+                          <m:t>𝜀</m:t>
+                        </m:r>
+                      </m:e>
+                    </m:d>
+                    <m:r>
+                      <a:rPr lang="en-US" sz="2400" b="0" i="1" smtClean="0">
+                        <a:latin typeface="Cambria Math" panose="02040503050406030204" pitchFamily="18" charset="0"/>
+                        <a:cs typeface="Times New Roman"/>
+                      </a:rPr>
+                      <m:t>=0</m:t>
+                    </m:r>
+                  </m:oMath>
+                </a14:m>
+                <a:r>
+                  <a:rPr lang="en-US" sz="2400" dirty="0">
+                    <a:latin typeface="Times New Roman"/>
+                    <a:cs typeface="Times New Roman"/>
+                  </a:rPr>
+                  <a:t> (which assumption is this?)</a:t>
+                </a:r>
+              </a:p>
+              <a:p>
+                <a:r>
+                  <a:rPr lang="en-US" sz="2400" dirty="0">
+                    <a:latin typeface="Times New Roman"/>
+                    <a:cs typeface="Times New Roman"/>
+                  </a:rPr>
+                  <a:t>GMM lets you deal with </a:t>
+                </a:r>
+                <a:r>
+                  <a:rPr lang="en-US" sz="2400" b="1" dirty="0">
+                    <a:latin typeface="Times New Roman"/>
+                    <a:cs typeface="Times New Roman"/>
+                  </a:rPr>
+                  <a:t>overidentification – </a:t>
+                </a:r>
+                <a:r>
+                  <a:rPr lang="en-US" sz="2400" dirty="0">
+                    <a:latin typeface="Times New Roman"/>
+                    <a:cs typeface="Times New Roman"/>
+                  </a:rPr>
+                  <a:t>too many instruments</a:t>
+                </a:r>
+                <a:endParaRPr lang="en-US" sz="2400" dirty="0">
+                  <a:cs typeface="Times New Roman" panose="02020603050405020304" pitchFamily="18" charset="0"/>
+                </a:endParaRPr>
+              </a:p>
+              <a:p>
+                <a:pPr lvl="1"/>
+                <a:r>
+                  <a:rPr lang="en-US" sz="2200" spc="10" dirty="0">
+                    <a:solidFill>
+                      <a:srgbClr val="000000"/>
+                    </a:solidFill>
+                    <a:latin typeface="Times New Roman"/>
+                    <a:cs typeface="Times New Roman"/>
+                  </a:rPr>
+                  <a:t>GMM will be more precise</a:t>
+                </a:r>
+                <a:endParaRPr lang="en-US" sz="2200" spc="10" dirty="0">
+                  <a:solidFill>
+                    <a:srgbClr val="000000"/>
+                  </a:solidFill>
+                  <a:cs typeface="Times New Roman" panose="02020603050405020304" pitchFamily="18" charset="0"/>
+                </a:endParaRPr>
+              </a:p>
+              <a:p>
+                <a:endParaRPr lang="en-US" sz="2400" dirty="0">
+                  <a:latin typeface="Times New Roman"/>
+                  <a:cs typeface="Times New Roman"/>
+                </a:endParaRPr>
+              </a:p>
+              <a:p>
+                <a:endParaRPr lang="en-US" sz="2400" dirty="0">
+                  <a:cs typeface="Times New Roman" panose="02020603050405020304" pitchFamily="18" charset="0"/>
+                </a:endParaRPr>
+              </a:p>
+            </p:txBody>
+          </p:sp>
+        </mc:Choice>
+        <mc:Fallback xmlns="">
+          <p:sp>
+            <p:nvSpPr>
+              <p:cNvPr id="3" name="Content Placeholder 2"/>
+              <p:cNvSpPr>
+                <a:spLocks noGrp="1" noRot="1" noChangeAspect="1" noMove="1" noResize="1" noEditPoints="1" noAdjustHandles="1" noChangeArrowheads="1" noChangeShapeType="1" noTextEdit="1"/>
+              </p:cNvSpPr>
+              <p:nvPr>
+                <p:ph idx="1"/>
+              </p:nvPr>
+            </p:nvSpPr>
+            <p:spPr>
+              <a:xfrm>
+                <a:off x="914400" y="1066801"/>
+                <a:ext cx="9984829" cy="5141388"/>
+              </a:xfrm>
+              <a:blipFill>
+                <a:blip r:embed="rId3"/>
+                <a:stretch>
+                  <a:fillRect l="-427" t="-1305" r="-244"/>
+                </a:stretch>
+              </a:blipFill>
+            </p:spPr>
+            <p:txBody>
+              <a:bodyPr/>
+              <a:lstStyle/>
+              <a:p>
+                <a:r>
+                  <a:rPr lang="en-US">
+                    <a:noFill/>
+                  </a:rPr>
+                  <a:t> </a:t>
+                </a:r>
+              </a:p>
+            </p:txBody>
+          </p:sp>
+        </mc:Fallback>
+      </mc:AlternateContent>
       <p:pic>
         <p:nvPicPr>
-          <p:cNvPr id="5" name="Picture 2" descr="RStudio - RStudio">
+          <p:cNvPr id="4" name="Picture 2" descr="RStudio - RStudio">
             <a:extLst>
               <a:ext uri="{FF2B5EF4-FFF2-40B4-BE49-F238E27FC236}">
-                <a16:creationId xmlns:a16="http://schemas.microsoft.com/office/drawing/2014/main" id="{36FCD43C-E370-6B69-358C-25F7AAF88A99}"/>
+                <a16:creationId xmlns:a16="http://schemas.microsoft.com/office/drawing/2014/main" id="{2DDDB499-F377-35D7-3888-343B2FD70456}"/>
               </a:ext>
             </a:extLst>
           </p:cNvPr>
@@ -17453,7 +18002,7 @@
           <p:nvPr/>
         </p:nvPicPr>
         <p:blipFill>
-          <a:blip r:embed="rId3">
+          <a:blip r:embed="rId4">
             <a:extLst>
               <a:ext uri="{28A0092B-C50C-407E-A947-70E740481C1C}">
                 <a14:useLocalDpi xmlns:a14="http://schemas.microsoft.com/office/drawing/2010/main" val="0"/>
@@ -17488,7 +18037,7 @@
     </p:spTree>
     <p:extLst>
       <p:ext uri="{BB962C8B-B14F-4D97-AF65-F5344CB8AC3E}">
-        <p14:creationId xmlns:p14="http://schemas.microsoft.com/office/powerpoint/2010/main" val="1165561073"/>
+        <p14:creationId xmlns:p14="http://schemas.microsoft.com/office/powerpoint/2010/main" val="111277310"/>
       </p:ext>
     </p:extLst>
   </p:cSld>
